--- a/diagrams/figure-1-kachemak.pptx
+++ b/diagrams/figure-1-kachemak.pptx
@@ -104,7 +104,41 @@
       </a:defRPr>
     </a:lvl9pPr>
   </p:defaultTextStyle>
+  <p:extLst>
+    <p:ext uri="{EFAFB233-063F-42B5-8137-9DF3F51BA10A}">
+      <p15:sldGuideLst xmlns:p15="http://schemas.microsoft.com/office/powerpoint/2012/main"/>
+    </p:ext>
+  </p:extLst>
 </p:presentation>
+</file>
+
+<file path=ppt/changesInfos/changesInfo1.xml><?xml version="1.0" encoding="utf-8"?>
+<pc:chgInfo xmlns:a="http://schemas.openxmlformats.org/drawingml/2006/main" xmlns:r="http://schemas.openxmlformats.org/officeDocument/2006/relationships" xmlns:ac="http://schemas.microsoft.com/office/drawing/2013/main/command" xmlns:pc="http://schemas.microsoft.com/office/powerpoint/2013/main/command">
+  <pc:docChgLst>
+    <pc:chgData name="Buck Bukaty" userId="7497a918b422615f" providerId="LiveId" clId="{C428A483-91AF-45A3-8E5A-899E74AD30A1}"/>
+    <pc:docChg chg="custSel modSld">
+      <pc:chgData name="Buck Bukaty" userId="7497a918b422615f" providerId="LiveId" clId="{C428A483-91AF-45A3-8E5A-899E74AD30A1}" dt="2024-05-14T15:13:37.308" v="0" actId="478"/>
+      <pc:docMkLst>
+        <pc:docMk/>
+      </pc:docMkLst>
+      <pc:sldChg chg="delSp mod">
+        <pc:chgData name="Buck Bukaty" userId="7497a918b422615f" providerId="LiveId" clId="{C428A483-91AF-45A3-8E5A-899E74AD30A1}" dt="2024-05-14T15:13:37.308" v="0" actId="478"/>
+        <pc:sldMkLst>
+          <pc:docMk/>
+          <pc:sldMk cId="4177762881" sldId="256"/>
+        </pc:sldMkLst>
+        <pc:spChg chg="del">
+          <ac:chgData name="Buck Bukaty" userId="7497a918b422615f" providerId="LiveId" clId="{C428A483-91AF-45A3-8E5A-899E74AD30A1}" dt="2024-05-14T15:13:37.308" v="0" actId="478"/>
+          <ac:spMkLst>
+            <pc:docMk/>
+            <pc:sldMk cId="4177762881" sldId="256"/>
+            <ac:spMk id="33" creationId="{287353CB-5ABE-418D-95E9-173D5E4A8475}"/>
+          </ac:spMkLst>
+        </pc:spChg>
+      </pc:sldChg>
+    </pc:docChg>
+  </pc:docChgLst>
+</pc:chgInfo>
 </file>
 
 <file path=ppt/slideLayouts/slideLayout1.xml><?xml version="1.0" encoding="utf-8"?>
@@ -238,7 +272,7 @@
           <a:p>
             <a:fld id="{EEA919E1-EFFE-43B0-B892-35C3DE72B480}" type="datetimeFigureOut">
               <a:rPr lang="en-US" smtClean="0"/>
-              <a:t>5/12/2024</a:t>
+              <a:t>5/14/2024</a:t>
             </a:fld>
             <a:endParaRPr lang="en-US"/>
           </a:p>
@@ -408,7 +442,7 @@
           <a:p>
             <a:fld id="{EEA919E1-EFFE-43B0-B892-35C3DE72B480}" type="datetimeFigureOut">
               <a:rPr lang="en-US" smtClean="0"/>
-              <a:t>5/12/2024</a:t>
+              <a:t>5/14/2024</a:t>
             </a:fld>
             <a:endParaRPr lang="en-US"/>
           </a:p>
@@ -588,7 +622,7 @@
           <a:p>
             <a:fld id="{EEA919E1-EFFE-43B0-B892-35C3DE72B480}" type="datetimeFigureOut">
               <a:rPr lang="en-US" smtClean="0"/>
-              <a:t>5/12/2024</a:t>
+              <a:t>5/14/2024</a:t>
             </a:fld>
             <a:endParaRPr lang="en-US"/>
           </a:p>
@@ -758,7 +792,7 @@
           <a:p>
             <a:fld id="{EEA919E1-EFFE-43B0-B892-35C3DE72B480}" type="datetimeFigureOut">
               <a:rPr lang="en-US" smtClean="0"/>
-              <a:t>5/12/2024</a:t>
+              <a:t>5/14/2024</a:t>
             </a:fld>
             <a:endParaRPr lang="en-US"/>
           </a:p>
@@ -1004,7 +1038,7 @@
           <a:p>
             <a:fld id="{EEA919E1-EFFE-43B0-B892-35C3DE72B480}" type="datetimeFigureOut">
               <a:rPr lang="en-US" smtClean="0"/>
-              <a:t>5/12/2024</a:t>
+              <a:t>5/14/2024</a:t>
             </a:fld>
             <a:endParaRPr lang="en-US"/>
           </a:p>
@@ -1236,7 +1270,7 @@
           <a:p>
             <a:fld id="{EEA919E1-EFFE-43B0-B892-35C3DE72B480}" type="datetimeFigureOut">
               <a:rPr lang="en-US" smtClean="0"/>
-              <a:t>5/12/2024</a:t>
+              <a:t>5/14/2024</a:t>
             </a:fld>
             <a:endParaRPr lang="en-US"/>
           </a:p>
@@ -1603,7 +1637,7 @@
           <a:p>
             <a:fld id="{EEA919E1-EFFE-43B0-B892-35C3DE72B480}" type="datetimeFigureOut">
               <a:rPr lang="en-US" smtClean="0"/>
-              <a:t>5/12/2024</a:t>
+              <a:t>5/14/2024</a:t>
             </a:fld>
             <a:endParaRPr lang="en-US"/>
           </a:p>
@@ -1721,7 +1755,7 @@
           <a:p>
             <a:fld id="{EEA919E1-EFFE-43B0-B892-35C3DE72B480}" type="datetimeFigureOut">
               <a:rPr lang="en-US" smtClean="0"/>
-              <a:t>5/12/2024</a:t>
+              <a:t>5/14/2024</a:t>
             </a:fld>
             <a:endParaRPr lang="en-US"/>
           </a:p>
@@ -1816,7 +1850,7 @@
           <a:p>
             <a:fld id="{EEA919E1-EFFE-43B0-B892-35C3DE72B480}" type="datetimeFigureOut">
               <a:rPr lang="en-US" smtClean="0"/>
-              <a:t>5/12/2024</a:t>
+              <a:t>5/14/2024</a:t>
             </a:fld>
             <a:endParaRPr lang="en-US"/>
           </a:p>
@@ -2093,7 +2127,7 @@
           <a:p>
             <a:fld id="{EEA919E1-EFFE-43B0-B892-35C3DE72B480}" type="datetimeFigureOut">
               <a:rPr lang="en-US" smtClean="0"/>
-              <a:t>5/12/2024</a:t>
+              <a:t>5/14/2024</a:t>
             </a:fld>
             <a:endParaRPr lang="en-US"/>
           </a:p>
@@ -2350,7 +2384,7 @@
           <a:p>
             <a:fld id="{EEA919E1-EFFE-43B0-B892-35C3DE72B480}" type="datetimeFigureOut">
               <a:rPr lang="en-US" smtClean="0"/>
-              <a:t>5/12/2024</a:t>
+              <a:t>5/14/2024</a:t>
             </a:fld>
             <a:endParaRPr lang="en-US"/>
           </a:p>
@@ -2563,7 +2597,7 @@
           <a:p>
             <a:fld id="{EEA919E1-EFFE-43B0-B892-35C3DE72B480}" type="datetimeFigureOut">
               <a:rPr lang="en-US" smtClean="0"/>
-              <a:t>5/12/2024</a:t>
+              <a:t>5/14/2024</a:t>
             </a:fld>
             <a:endParaRPr lang="en-US"/>
           </a:p>
@@ -3118,71 +3152,6 @@
           </a:prstGeom>
         </p:spPr>
       </p:pic>
-      <p:sp>
-        <p:nvSpPr>
-          <p:cNvPr id="33" name="TextBox 32">
-            <a:extLst>
-              <a:ext uri="{FF2B5EF4-FFF2-40B4-BE49-F238E27FC236}">
-                <a16:creationId xmlns:a16="http://schemas.microsoft.com/office/drawing/2014/main" id="{287353CB-5ABE-418D-95E9-173D5E4A8475}"/>
-              </a:ext>
-            </a:extLst>
-          </p:cNvPr>
-          <p:cNvSpPr txBox="1"/>
-          <p:nvPr/>
-        </p:nvSpPr>
-        <p:spPr>
-          <a:xfrm>
-            <a:off x="1200150" y="3725614"/>
-            <a:ext cx="4387850" cy="1077218"/>
-          </a:xfrm>
-          <a:prstGeom prst="rect">
-            <a:avLst/>
-          </a:prstGeom>
-          <a:noFill/>
-        </p:spPr>
-        <p:txBody>
-          <a:bodyPr wrap="square" rtlCol="0">
-            <a:spAutoFit/>
-          </a:bodyPr>
-          <a:lstStyle/>
-          <a:p>
-            <a:r>
-              <a:rPr lang="en-US" sz="800" b="0" i="0" u="none" strike="noStrike" dirty="0">
-                <a:solidFill>
-                  <a:srgbClr val="000000"/>
-                </a:solidFill>
-                <a:effectLst/>
-                <a:latin typeface="Arial" panose="020B0604020202020204" pitchFamily="34" charset="0"/>
-              </a:rPr>
-              <a:t>Figure 1. Profile of a temperature logger recording at 30 minute intervals in the mid-intertidal zone at Kachemak Bay, Alaska USA during the period of 2013-2023 (</a:t>
-            </a:r>
-            <a:r>
-              <a:rPr lang="en-US" sz="800" b="0" i="0" u="none" strike="noStrike" dirty="0">
-                <a:solidFill>
-                  <a:srgbClr val="000000"/>
-                </a:solidFill>
-                <a:effectLst/>
-                <a:highlight>
-                  <a:srgbClr val="FFFF00"/>
-                </a:highlight>
-                <a:latin typeface="Arial" panose="020B0604020202020204" pitchFamily="34" charset="0"/>
-              </a:rPr>
-              <a:t>CITE Data Source - https://doi.org/10.5066/F7WH2N3T</a:t>
-            </a:r>
-            <a:r>
-              <a:rPr lang="en-US" sz="800" b="0" i="0" u="none" strike="noStrike" dirty="0">
-                <a:solidFill>
-                  <a:srgbClr val="000000"/>
-                </a:solidFill>
-                <a:effectLst/>
-                <a:latin typeface="Arial" panose="020B0604020202020204" pitchFamily="34" charset="0"/>
-              </a:rPr>
-              <a:t>). (Top) One decade of temperature data (blue) and the mean temperature for each day calculated across the dataset (black, repeated yearly). Also pictured is the 90th percentile of daily maximum temperatures across the dataset (dotted red). (Middle Left) One year of data for 2017, a relatively cool year. (Middle Right) One year of data for 2019, a relatively hot year. (Bottom Left) Data for September 2017. (Bottom Right) Data for September 2019. For all panels colors are as in top panel legend.</a:t>
-            </a:r>
-            <a:endParaRPr lang="en-US" sz="800" dirty="0"/>
-          </a:p>
-        </p:txBody>
-      </p:sp>
     </p:spTree>
     <p:extLst>
       <p:ext uri="{BB962C8B-B14F-4D97-AF65-F5344CB8AC3E}">

--- a/diagrams/figure-1-kachemak.pptx
+++ b/diagrams/figure-1-kachemak.pptx
@@ -2,12 +2,12 @@
 <file path=ppt/presentation.xml><?xml version="1.0" encoding="utf-8"?>
 <p:presentation xmlns:a="http://schemas.openxmlformats.org/drawingml/2006/main" xmlns:r="http://schemas.openxmlformats.org/officeDocument/2006/relationships" xmlns:p="http://schemas.openxmlformats.org/presentationml/2006/main" saveSubsetFonts="1">
   <p:sldMasterIdLst>
-    <p:sldMasterId id="2147483660" r:id="rId1"/>
+    <p:sldMasterId id="2147483708" r:id="rId1"/>
   </p:sldMasterIdLst>
   <p:sldIdLst>
     <p:sldId id="256" r:id="rId2"/>
   </p:sldIdLst>
-  <p:sldSz cx="6858000" cy="9144000" type="letter"/>
+  <p:sldSz cx="6858000" cy="4114800"/>
   <p:notesSz cx="6858000" cy="9144000"/>
   <p:defaultTextStyle>
     <a:defPPr>
@@ -170,15 +170,15 @@
         </p:nvSpPr>
         <p:spPr>
           <a:xfrm>
-            <a:off x="514350" y="1496484"/>
-            <a:ext cx="5829300" cy="3183467"/>
+            <a:off x="857250" y="673418"/>
+            <a:ext cx="5143500" cy="1432560"/>
           </a:xfrm>
         </p:spPr>
         <p:txBody>
           <a:bodyPr anchor="b"/>
           <a:lstStyle>
             <a:lvl1pPr algn="ctr">
-              <a:defRPr sz="4500"/>
+              <a:defRPr sz="3375"/>
             </a:lvl1pPr>
           </a:lstStyle>
           <a:p>
@@ -202,8 +202,8 @@
         </p:nvSpPr>
         <p:spPr>
           <a:xfrm>
-            <a:off x="857250" y="4802717"/>
-            <a:ext cx="5143500" cy="2207683"/>
+            <a:off x="857250" y="2161223"/>
+            <a:ext cx="5143500" cy="993457"/>
           </a:xfrm>
         </p:spPr>
         <p:txBody>
@@ -211,39 +211,39 @@
           <a:lstStyle>
             <a:lvl1pPr marL="0" indent="0" algn="ctr">
               <a:buNone/>
-              <a:defRPr sz="1800"/>
+              <a:defRPr sz="1350"/>
             </a:lvl1pPr>
-            <a:lvl2pPr marL="342900" indent="0" algn="ctr">
-              <a:buNone/>
-              <a:defRPr sz="1500"/>
+            <a:lvl2pPr marL="257175" indent="0" algn="ctr">
+              <a:buNone/>
+              <a:defRPr sz="1125"/>
             </a:lvl2pPr>
-            <a:lvl3pPr marL="685800" indent="0" algn="ctr">
-              <a:buNone/>
-              <a:defRPr sz="1350"/>
+            <a:lvl3pPr marL="514350" indent="0" algn="ctr">
+              <a:buNone/>
+              <a:defRPr sz="1013"/>
             </a:lvl3pPr>
-            <a:lvl4pPr marL="1028700" indent="0" algn="ctr">
-              <a:buNone/>
-              <a:defRPr sz="1200"/>
+            <a:lvl4pPr marL="771525" indent="0" algn="ctr">
+              <a:buNone/>
+              <a:defRPr sz="900"/>
             </a:lvl4pPr>
-            <a:lvl5pPr marL="1371600" indent="0" algn="ctr">
-              <a:buNone/>
-              <a:defRPr sz="1200"/>
+            <a:lvl5pPr marL="1028700" indent="0" algn="ctr">
+              <a:buNone/>
+              <a:defRPr sz="900"/>
             </a:lvl5pPr>
-            <a:lvl6pPr marL="1714500" indent="0" algn="ctr">
-              <a:buNone/>
-              <a:defRPr sz="1200"/>
+            <a:lvl6pPr marL="1285875" indent="0" algn="ctr">
+              <a:buNone/>
+              <a:defRPr sz="900"/>
             </a:lvl6pPr>
-            <a:lvl7pPr marL="2057400" indent="0" algn="ctr">
-              <a:buNone/>
-              <a:defRPr sz="1200"/>
+            <a:lvl7pPr marL="1543050" indent="0" algn="ctr">
+              <a:buNone/>
+              <a:defRPr sz="900"/>
             </a:lvl7pPr>
-            <a:lvl8pPr marL="2400300" indent="0" algn="ctr">
-              <a:buNone/>
-              <a:defRPr sz="1200"/>
+            <a:lvl8pPr marL="1800225" indent="0" algn="ctr">
+              <a:buNone/>
+              <a:defRPr sz="900"/>
             </a:lvl8pPr>
-            <a:lvl9pPr marL="2743200" indent="0" algn="ctr">
-              <a:buNone/>
-              <a:defRPr sz="1200"/>
+            <a:lvl9pPr marL="2057400" indent="0" algn="ctr">
+              <a:buNone/>
+              <a:defRPr sz="900"/>
             </a:lvl9pPr>
           </a:lstStyle>
           <a:p>
@@ -272,7 +272,7 @@
           <a:p>
             <a:fld id="{EEA919E1-EFFE-43B0-B892-35C3DE72B480}" type="datetimeFigureOut">
               <a:rPr lang="en-US" smtClean="0"/>
-              <a:t>5/14/2024</a:t>
+              <a:t>5/15/24</a:t>
             </a:fld>
             <a:endParaRPr lang="en-US"/>
           </a:p>
@@ -323,7 +323,7 @@
     </p:spTree>
     <p:extLst>
       <p:ext uri="{BB962C8B-B14F-4D97-AF65-F5344CB8AC3E}">
-        <p14:creationId xmlns:p14="http://schemas.microsoft.com/office/powerpoint/2010/main" val="2653683823"/>
+        <p14:creationId xmlns:p14="http://schemas.microsoft.com/office/powerpoint/2010/main" val="2568428548"/>
       </p:ext>
     </p:extLst>
   </p:cSld>
@@ -442,7 +442,7 @@
           <a:p>
             <a:fld id="{EEA919E1-EFFE-43B0-B892-35C3DE72B480}" type="datetimeFigureOut">
               <a:rPr lang="en-US" smtClean="0"/>
-              <a:t>5/14/2024</a:t>
+              <a:t>5/15/24</a:t>
             </a:fld>
             <a:endParaRPr lang="en-US"/>
           </a:p>
@@ -493,7 +493,7 @@
     </p:spTree>
     <p:extLst>
       <p:ext uri="{BB962C8B-B14F-4D97-AF65-F5344CB8AC3E}">
-        <p14:creationId xmlns:p14="http://schemas.microsoft.com/office/powerpoint/2010/main" val="2833665465"/>
+        <p14:creationId xmlns:p14="http://schemas.microsoft.com/office/powerpoint/2010/main" val="3907134641"/>
       </p:ext>
     </p:extLst>
   </p:cSld>
@@ -532,8 +532,8 @@
         </p:nvSpPr>
         <p:spPr>
           <a:xfrm>
-            <a:off x="4907757" y="486834"/>
-            <a:ext cx="1478756" cy="7749117"/>
+            <a:off x="4907756" y="219075"/>
+            <a:ext cx="1478756" cy="3487103"/>
           </a:xfrm>
         </p:spPr>
         <p:txBody>
@@ -560,8 +560,8 @@
         </p:nvSpPr>
         <p:spPr>
           <a:xfrm>
-            <a:off x="471488" y="486834"/>
-            <a:ext cx="4350544" cy="7749117"/>
+            <a:off x="471487" y="219075"/>
+            <a:ext cx="4350544" cy="3487103"/>
           </a:xfrm>
         </p:spPr>
         <p:txBody>
@@ -622,7 +622,7 @@
           <a:p>
             <a:fld id="{EEA919E1-EFFE-43B0-B892-35C3DE72B480}" type="datetimeFigureOut">
               <a:rPr lang="en-US" smtClean="0"/>
-              <a:t>5/14/2024</a:t>
+              <a:t>5/15/24</a:t>
             </a:fld>
             <a:endParaRPr lang="en-US"/>
           </a:p>
@@ -673,7 +673,7 @@
     </p:spTree>
     <p:extLst>
       <p:ext uri="{BB962C8B-B14F-4D97-AF65-F5344CB8AC3E}">
-        <p14:creationId xmlns:p14="http://schemas.microsoft.com/office/powerpoint/2010/main" val="832537331"/>
+        <p14:creationId xmlns:p14="http://schemas.microsoft.com/office/powerpoint/2010/main" val="1112634547"/>
       </p:ext>
     </p:extLst>
   </p:cSld>
@@ -792,7 +792,7 @@
           <a:p>
             <a:fld id="{EEA919E1-EFFE-43B0-B892-35C3DE72B480}" type="datetimeFigureOut">
               <a:rPr lang="en-US" smtClean="0"/>
-              <a:t>5/14/2024</a:t>
+              <a:t>5/15/24</a:t>
             </a:fld>
             <a:endParaRPr lang="en-US"/>
           </a:p>
@@ -843,7 +843,7 @@
     </p:spTree>
     <p:extLst>
       <p:ext uri="{BB962C8B-B14F-4D97-AF65-F5344CB8AC3E}">
-        <p14:creationId xmlns:p14="http://schemas.microsoft.com/office/powerpoint/2010/main" val="3409106405"/>
+        <p14:creationId xmlns:p14="http://schemas.microsoft.com/office/powerpoint/2010/main" val="1976002770"/>
       </p:ext>
     </p:extLst>
   </p:cSld>
@@ -882,15 +882,15 @@
         </p:nvSpPr>
         <p:spPr>
           <a:xfrm>
-            <a:off x="467916" y="2279653"/>
-            <a:ext cx="5915025" cy="3803649"/>
+            <a:off x="467916" y="1025843"/>
+            <a:ext cx="5915025" cy="1711642"/>
           </a:xfrm>
         </p:spPr>
         <p:txBody>
           <a:bodyPr anchor="b"/>
           <a:lstStyle>
             <a:lvl1pPr>
-              <a:defRPr sz="4500"/>
+              <a:defRPr sz="3375"/>
             </a:lvl1pPr>
           </a:lstStyle>
           <a:p>
@@ -914,8 +914,8 @@
         </p:nvSpPr>
         <p:spPr>
           <a:xfrm>
-            <a:off x="467916" y="6119286"/>
-            <a:ext cx="5915025" cy="2000249"/>
+            <a:off x="467916" y="2753678"/>
+            <a:ext cx="5915025" cy="900112"/>
           </a:xfrm>
         </p:spPr>
         <p:txBody>
@@ -923,7 +923,7 @@
           <a:lstStyle>
             <a:lvl1pPr marL="0" indent="0">
               <a:buNone/>
-              <a:defRPr sz="1800">
+              <a:defRPr sz="1350">
                 <a:solidFill>
                   <a:schemeClr val="tx1">
                     <a:tint val="82000"/>
@@ -931,9 +931,9 @@
                 </a:solidFill>
               </a:defRPr>
             </a:lvl1pPr>
-            <a:lvl2pPr marL="342900" indent="0">
-              <a:buNone/>
-              <a:defRPr sz="1500">
+            <a:lvl2pPr marL="257175" indent="0">
+              <a:buNone/>
+              <a:defRPr sz="1125">
                 <a:solidFill>
                   <a:schemeClr val="tx1">
                     <a:tint val="82000"/>
@@ -941,9 +941,9 @@
                 </a:solidFill>
               </a:defRPr>
             </a:lvl2pPr>
-            <a:lvl3pPr marL="685800" indent="0">
-              <a:buNone/>
-              <a:defRPr sz="1350">
+            <a:lvl3pPr marL="514350" indent="0">
+              <a:buNone/>
+              <a:defRPr sz="1013">
                 <a:solidFill>
                   <a:schemeClr val="tx1">
                     <a:tint val="82000"/>
@@ -951,9 +951,9 @@
                 </a:solidFill>
               </a:defRPr>
             </a:lvl3pPr>
-            <a:lvl4pPr marL="1028700" indent="0">
-              <a:buNone/>
-              <a:defRPr sz="1200">
+            <a:lvl4pPr marL="771525" indent="0">
+              <a:buNone/>
+              <a:defRPr sz="900">
                 <a:solidFill>
                   <a:schemeClr val="tx1">
                     <a:tint val="82000"/>
@@ -961,9 +961,9 @@
                 </a:solidFill>
               </a:defRPr>
             </a:lvl4pPr>
-            <a:lvl5pPr marL="1371600" indent="0">
-              <a:buNone/>
-              <a:defRPr sz="1200">
+            <a:lvl5pPr marL="1028700" indent="0">
+              <a:buNone/>
+              <a:defRPr sz="900">
                 <a:solidFill>
                   <a:schemeClr val="tx1">
                     <a:tint val="82000"/>
@@ -971,9 +971,9 @@
                 </a:solidFill>
               </a:defRPr>
             </a:lvl5pPr>
-            <a:lvl6pPr marL="1714500" indent="0">
-              <a:buNone/>
-              <a:defRPr sz="1200">
+            <a:lvl6pPr marL="1285875" indent="0">
+              <a:buNone/>
+              <a:defRPr sz="900">
                 <a:solidFill>
                   <a:schemeClr val="tx1">
                     <a:tint val="82000"/>
@@ -981,9 +981,9 @@
                 </a:solidFill>
               </a:defRPr>
             </a:lvl6pPr>
-            <a:lvl7pPr marL="2057400" indent="0">
-              <a:buNone/>
-              <a:defRPr sz="1200">
+            <a:lvl7pPr marL="1543050" indent="0">
+              <a:buNone/>
+              <a:defRPr sz="900">
                 <a:solidFill>
                   <a:schemeClr val="tx1">
                     <a:tint val="82000"/>
@@ -991,9 +991,9 @@
                 </a:solidFill>
               </a:defRPr>
             </a:lvl7pPr>
-            <a:lvl8pPr marL="2400300" indent="0">
-              <a:buNone/>
-              <a:defRPr sz="1200">
+            <a:lvl8pPr marL="1800225" indent="0">
+              <a:buNone/>
+              <a:defRPr sz="900">
                 <a:solidFill>
                   <a:schemeClr val="tx1">
                     <a:tint val="82000"/>
@@ -1001,9 +1001,9 @@
                 </a:solidFill>
               </a:defRPr>
             </a:lvl8pPr>
-            <a:lvl9pPr marL="2743200" indent="0">
-              <a:buNone/>
-              <a:defRPr sz="1200">
+            <a:lvl9pPr marL="2057400" indent="0">
+              <a:buNone/>
+              <a:defRPr sz="900">
                 <a:solidFill>
                   <a:schemeClr val="tx1">
                     <a:tint val="82000"/>
@@ -1038,7 +1038,7 @@
           <a:p>
             <a:fld id="{EEA919E1-EFFE-43B0-B892-35C3DE72B480}" type="datetimeFigureOut">
               <a:rPr lang="en-US" smtClean="0"/>
-              <a:t>5/14/2024</a:t>
+              <a:t>5/15/24</a:t>
             </a:fld>
             <a:endParaRPr lang="en-US"/>
           </a:p>
@@ -1089,7 +1089,7 @@
     </p:spTree>
     <p:extLst>
       <p:ext uri="{BB962C8B-B14F-4D97-AF65-F5344CB8AC3E}">
-        <p14:creationId xmlns:p14="http://schemas.microsoft.com/office/powerpoint/2010/main" val="474055274"/>
+        <p14:creationId xmlns:p14="http://schemas.microsoft.com/office/powerpoint/2010/main" val="4033097633"/>
       </p:ext>
     </p:extLst>
   </p:cSld>
@@ -1151,8 +1151,8 @@
         </p:nvSpPr>
         <p:spPr>
           <a:xfrm>
-            <a:off x="471488" y="2434167"/>
-            <a:ext cx="2914650" cy="5801784"/>
+            <a:off x="471488" y="1095375"/>
+            <a:ext cx="2914650" cy="2610803"/>
           </a:xfrm>
         </p:spPr>
         <p:txBody>
@@ -1208,8 +1208,8 @@
         </p:nvSpPr>
         <p:spPr>
           <a:xfrm>
-            <a:off x="3471863" y="2434167"/>
-            <a:ext cx="2914650" cy="5801784"/>
+            <a:off x="3471863" y="1095375"/>
+            <a:ext cx="2914650" cy="2610803"/>
           </a:xfrm>
         </p:spPr>
         <p:txBody>
@@ -1270,7 +1270,7 @@
           <a:p>
             <a:fld id="{EEA919E1-EFFE-43B0-B892-35C3DE72B480}" type="datetimeFigureOut">
               <a:rPr lang="en-US" smtClean="0"/>
-              <a:t>5/14/2024</a:t>
+              <a:t>5/15/24</a:t>
             </a:fld>
             <a:endParaRPr lang="en-US"/>
           </a:p>
@@ -1321,7 +1321,7 @@
     </p:spTree>
     <p:extLst>
       <p:ext uri="{BB962C8B-B14F-4D97-AF65-F5344CB8AC3E}">
-        <p14:creationId xmlns:p14="http://schemas.microsoft.com/office/powerpoint/2010/main" val="1002340110"/>
+        <p14:creationId xmlns:p14="http://schemas.microsoft.com/office/powerpoint/2010/main" val="849893954"/>
       </p:ext>
     </p:extLst>
   </p:cSld>
@@ -1360,8 +1360,8 @@
         </p:nvSpPr>
         <p:spPr>
           <a:xfrm>
-            <a:off x="472381" y="486836"/>
-            <a:ext cx="5915025" cy="1767417"/>
+            <a:off x="472381" y="219075"/>
+            <a:ext cx="5915025" cy="795338"/>
           </a:xfrm>
         </p:spPr>
         <p:txBody>
@@ -1388,8 +1388,8 @@
         </p:nvSpPr>
         <p:spPr>
           <a:xfrm>
-            <a:off x="472381" y="2241551"/>
-            <a:ext cx="2901255" cy="1098549"/>
+            <a:off x="472381" y="1008698"/>
+            <a:ext cx="2901255" cy="494347"/>
           </a:xfrm>
         </p:spPr>
         <p:txBody>
@@ -1397,39 +1397,39 @@
           <a:lstStyle>
             <a:lvl1pPr marL="0" indent="0">
               <a:buNone/>
-              <a:defRPr sz="1800" b="1"/>
+              <a:defRPr sz="1350" b="1"/>
             </a:lvl1pPr>
-            <a:lvl2pPr marL="342900" indent="0">
-              <a:buNone/>
-              <a:defRPr sz="1500" b="1"/>
+            <a:lvl2pPr marL="257175" indent="0">
+              <a:buNone/>
+              <a:defRPr sz="1125" b="1"/>
             </a:lvl2pPr>
-            <a:lvl3pPr marL="685800" indent="0">
-              <a:buNone/>
-              <a:defRPr sz="1350" b="1"/>
+            <a:lvl3pPr marL="514350" indent="0">
+              <a:buNone/>
+              <a:defRPr sz="1013" b="1"/>
             </a:lvl3pPr>
-            <a:lvl4pPr marL="1028700" indent="0">
-              <a:buNone/>
-              <a:defRPr sz="1200" b="1"/>
+            <a:lvl4pPr marL="771525" indent="0">
+              <a:buNone/>
+              <a:defRPr sz="900" b="1"/>
             </a:lvl4pPr>
-            <a:lvl5pPr marL="1371600" indent="0">
-              <a:buNone/>
-              <a:defRPr sz="1200" b="1"/>
+            <a:lvl5pPr marL="1028700" indent="0">
+              <a:buNone/>
+              <a:defRPr sz="900" b="1"/>
             </a:lvl5pPr>
-            <a:lvl6pPr marL="1714500" indent="0">
-              <a:buNone/>
-              <a:defRPr sz="1200" b="1"/>
+            <a:lvl6pPr marL="1285875" indent="0">
+              <a:buNone/>
+              <a:defRPr sz="900" b="1"/>
             </a:lvl6pPr>
-            <a:lvl7pPr marL="2057400" indent="0">
-              <a:buNone/>
-              <a:defRPr sz="1200" b="1"/>
+            <a:lvl7pPr marL="1543050" indent="0">
+              <a:buNone/>
+              <a:defRPr sz="900" b="1"/>
             </a:lvl7pPr>
-            <a:lvl8pPr marL="2400300" indent="0">
-              <a:buNone/>
-              <a:defRPr sz="1200" b="1"/>
+            <a:lvl8pPr marL="1800225" indent="0">
+              <a:buNone/>
+              <a:defRPr sz="900" b="1"/>
             </a:lvl8pPr>
-            <a:lvl9pPr marL="2743200" indent="0">
-              <a:buNone/>
-              <a:defRPr sz="1200" b="1"/>
+            <a:lvl9pPr marL="2057400" indent="0">
+              <a:buNone/>
+              <a:defRPr sz="900" b="1"/>
             </a:lvl9pPr>
           </a:lstStyle>
           <a:p>
@@ -1453,8 +1453,8 @@
         </p:nvSpPr>
         <p:spPr>
           <a:xfrm>
-            <a:off x="472381" y="3340100"/>
-            <a:ext cx="2901255" cy="4912784"/>
+            <a:off x="472381" y="1503045"/>
+            <a:ext cx="2901255" cy="2210753"/>
           </a:xfrm>
         </p:spPr>
         <p:txBody>
@@ -1510,8 +1510,8 @@
         </p:nvSpPr>
         <p:spPr>
           <a:xfrm>
-            <a:off x="3471863" y="2241551"/>
-            <a:ext cx="2915543" cy="1098549"/>
+            <a:off x="3471863" y="1008698"/>
+            <a:ext cx="2915543" cy="494347"/>
           </a:xfrm>
         </p:spPr>
         <p:txBody>
@@ -1519,39 +1519,39 @@
           <a:lstStyle>
             <a:lvl1pPr marL="0" indent="0">
               <a:buNone/>
-              <a:defRPr sz="1800" b="1"/>
+              <a:defRPr sz="1350" b="1"/>
             </a:lvl1pPr>
-            <a:lvl2pPr marL="342900" indent="0">
-              <a:buNone/>
-              <a:defRPr sz="1500" b="1"/>
+            <a:lvl2pPr marL="257175" indent="0">
+              <a:buNone/>
+              <a:defRPr sz="1125" b="1"/>
             </a:lvl2pPr>
-            <a:lvl3pPr marL="685800" indent="0">
-              <a:buNone/>
-              <a:defRPr sz="1350" b="1"/>
+            <a:lvl3pPr marL="514350" indent="0">
+              <a:buNone/>
+              <a:defRPr sz="1013" b="1"/>
             </a:lvl3pPr>
-            <a:lvl4pPr marL="1028700" indent="0">
-              <a:buNone/>
-              <a:defRPr sz="1200" b="1"/>
+            <a:lvl4pPr marL="771525" indent="0">
+              <a:buNone/>
+              <a:defRPr sz="900" b="1"/>
             </a:lvl4pPr>
-            <a:lvl5pPr marL="1371600" indent="0">
-              <a:buNone/>
-              <a:defRPr sz="1200" b="1"/>
+            <a:lvl5pPr marL="1028700" indent="0">
+              <a:buNone/>
+              <a:defRPr sz="900" b="1"/>
             </a:lvl5pPr>
-            <a:lvl6pPr marL="1714500" indent="0">
-              <a:buNone/>
-              <a:defRPr sz="1200" b="1"/>
+            <a:lvl6pPr marL="1285875" indent="0">
+              <a:buNone/>
+              <a:defRPr sz="900" b="1"/>
             </a:lvl6pPr>
-            <a:lvl7pPr marL="2057400" indent="0">
-              <a:buNone/>
-              <a:defRPr sz="1200" b="1"/>
+            <a:lvl7pPr marL="1543050" indent="0">
+              <a:buNone/>
+              <a:defRPr sz="900" b="1"/>
             </a:lvl7pPr>
-            <a:lvl8pPr marL="2400300" indent="0">
-              <a:buNone/>
-              <a:defRPr sz="1200" b="1"/>
+            <a:lvl8pPr marL="1800225" indent="0">
+              <a:buNone/>
+              <a:defRPr sz="900" b="1"/>
             </a:lvl8pPr>
-            <a:lvl9pPr marL="2743200" indent="0">
-              <a:buNone/>
-              <a:defRPr sz="1200" b="1"/>
+            <a:lvl9pPr marL="2057400" indent="0">
+              <a:buNone/>
+              <a:defRPr sz="900" b="1"/>
             </a:lvl9pPr>
           </a:lstStyle>
           <a:p>
@@ -1575,8 +1575,8 @@
         </p:nvSpPr>
         <p:spPr>
           <a:xfrm>
-            <a:off x="3471863" y="3340100"/>
-            <a:ext cx="2915543" cy="4912784"/>
+            <a:off x="3471863" y="1503045"/>
+            <a:ext cx="2915543" cy="2210753"/>
           </a:xfrm>
         </p:spPr>
         <p:txBody>
@@ -1637,7 +1637,7 @@
           <a:p>
             <a:fld id="{EEA919E1-EFFE-43B0-B892-35C3DE72B480}" type="datetimeFigureOut">
               <a:rPr lang="en-US" smtClean="0"/>
-              <a:t>5/14/2024</a:t>
+              <a:t>5/15/24</a:t>
             </a:fld>
             <a:endParaRPr lang="en-US"/>
           </a:p>
@@ -1688,7 +1688,7 @@
     </p:spTree>
     <p:extLst>
       <p:ext uri="{BB962C8B-B14F-4D97-AF65-F5344CB8AC3E}">
-        <p14:creationId xmlns:p14="http://schemas.microsoft.com/office/powerpoint/2010/main" val="522195387"/>
+        <p14:creationId xmlns:p14="http://schemas.microsoft.com/office/powerpoint/2010/main" val="513213786"/>
       </p:ext>
     </p:extLst>
   </p:cSld>
@@ -1755,7 +1755,7 @@
           <a:p>
             <a:fld id="{EEA919E1-EFFE-43B0-B892-35C3DE72B480}" type="datetimeFigureOut">
               <a:rPr lang="en-US" smtClean="0"/>
-              <a:t>5/14/2024</a:t>
+              <a:t>5/15/24</a:t>
             </a:fld>
             <a:endParaRPr lang="en-US"/>
           </a:p>
@@ -1806,7 +1806,7 @@
     </p:spTree>
     <p:extLst>
       <p:ext uri="{BB962C8B-B14F-4D97-AF65-F5344CB8AC3E}">
-        <p14:creationId xmlns:p14="http://schemas.microsoft.com/office/powerpoint/2010/main" val="2543188605"/>
+        <p14:creationId xmlns:p14="http://schemas.microsoft.com/office/powerpoint/2010/main" val="3563861647"/>
       </p:ext>
     </p:extLst>
   </p:cSld>
@@ -1850,7 +1850,7 @@
           <a:p>
             <a:fld id="{EEA919E1-EFFE-43B0-B892-35C3DE72B480}" type="datetimeFigureOut">
               <a:rPr lang="en-US" smtClean="0"/>
-              <a:t>5/14/2024</a:t>
+              <a:t>5/15/24</a:t>
             </a:fld>
             <a:endParaRPr lang="en-US"/>
           </a:p>
@@ -1901,7 +1901,7 @@
     </p:spTree>
     <p:extLst>
       <p:ext uri="{BB962C8B-B14F-4D97-AF65-F5344CB8AC3E}">
-        <p14:creationId xmlns:p14="http://schemas.microsoft.com/office/powerpoint/2010/main" val="2218934378"/>
+        <p14:creationId xmlns:p14="http://schemas.microsoft.com/office/powerpoint/2010/main" val="590019968"/>
       </p:ext>
     </p:extLst>
   </p:cSld>
@@ -1940,15 +1940,15 @@
         </p:nvSpPr>
         <p:spPr>
           <a:xfrm>
-            <a:off x="472381" y="609600"/>
-            <a:ext cx="2211884" cy="2133600"/>
+            <a:off x="472381" y="274320"/>
+            <a:ext cx="2211883" cy="960120"/>
           </a:xfrm>
         </p:spPr>
         <p:txBody>
           <a:bodyPr anchor="b"/>
           <a:lstStyle>
             <a:lvl1pPr>
-              <a:defRPr sz="2400"/>
+              <a:defRPr sz="1800"/>
             </a:lvl1pPr>
           </a:lstStyle>
           <a:p>
@@ -1972,39 +1972,39 @@
         </p:nvSpPr>
         <p:spPr>
           <a:xfrm>
-            <a:off x="2915543" y="1316569"/>
-            <a:ext cx="3471863" cy="6498167"/>
+            <a:off x="2915543" y="592455"/>
+            <a:ext cx="3471863" cy="2924175"/>
           </a:xfrm>
         </p:spPr>
         <p:txBody>
           <a:bodyPr/>
           <a:lstStyle>
             <a:lvl1pPr>
-              <a:defRPr sz="2400"/>
+              <a:defRPr sz="1800"/>
             </a:lvl1pPr>
             <a:lvl2pPr>
-              <a:defRPr sz="2100"/>
+              <a:defRPr sz="1575"/>
             </a:lvl2pPr>
             <a:lvl3pPr>
-              <a:defRPr sz="1800"/>
+              <a:defRPr sz="1350"/>
             </a:lvl3pPr>
             <a:lvl4pPr>
-              <a:defRPr sz="1500"/>
+              <a:defRPr sz="1125"/>
             </a:lvl4pPr>
             <a:lvl5pPr>
-              <a:defRPr sz="1500"/>
+              <a:defRPr sz="1125"/>
             </a:lvl5pPr>
             <a:lvl6pPr>
-              <a:defRPr sz="1500"/>
+              <a:defRPr sz="1125"/>
             </a:lvl6pPr>
             <a:lvl7pPr>
-              <a:defRPr sz="1500"/>
+              <a:defRPr sz="1125"/>
             </a:lvl7pPr>
             <a:lvl8pPr>
-              <a:defRPr sz="1500"/>
+              <a:defRPr sz="1125"/>
             </a:lvl8pPr>
             <a:lvl9pPr>
-              <a:defRPr sz="1500"/>
+              <a:defRPr sz="1125"/>
             </a:lvl9pPr>
           </a:lstStyle>
           <a:p>
@@ -2057,8 +2057,8 @@
         </p:nvSpPr>
         <p:spPr>
           <a:xfrm>
-            <a:off x="472381" y="2743200"/>
-            <a:ext cx="2211884" cy="5082117"/>
+            <a:off x="472381" y="1234440"/>
+            <a:ext cx="2211883" cy="2286953"/>
           </a:xfrm>
         </p:spPr>
         <p:txBody>
@@ -2066,39 +2066,39 @@
           <a:lstStyle>
             <a:lvl1pPr marL="0" indent="0">
               <a:buNone/>
-              <a:defRPr sz="1200"/>
+              <a:defRPr sz="900"/>
             </a:lvl1pPr>
-            <a:lvl2pPr marL="342900" indent="0">
-              <a:buNone/>
-              <a:defRPr sz="1050"/>
+            <a:lvl2pPr marL="257175" indent="0">
+              <a:buNone/>
+              <a:defRPr sz="788"/>
             </a:lvl2pPr>
-            <a:lvl3pPr marL="685800" indent="0">
-              <a:buNone/>
-              <a:defRPr sz="900"/>
+            <a:lvl3pPr marL="514350" indent="0">
+              <a:buNone/>
+              <a:defRPr sz="675"/>
             </a:lvl3pPr>
-            <a:lvl4pPr marL="1028700" indent="0">
-              <a:buNone/>
-              <a:defRPr sz="750"/>
+            <a:lvl4pPr marL="771525" indent="0">
+              <a:buNone/>
+              <a:defRPr sz="563"/>
             </a:lvl4pPr>
-            <a:lvl5pPr marL="1371600" indent="0">
-              <a:buNone/>
-              <a:defRPr sz="750"/>
+            <a:lvl5pPr marL="1028700" indent="0">
+              <a:buNone/>
+              <a:defRPr sz="563"/>
             </a:lvl5pPr>
-            <a:lvl6pPr marL="1714500" indent="0">
-              <a:buNone/>
-              <a:defRPr sz="750"/>
+            <a:lvl6pPr marL="1285875" indent="0">
+              <a:buNone/>
+              <a:defRPr sz="563"/>
             </a:lvl6pPr>
-            <a:lvl7pPr marL="2057400" indent="0">
-              <a:buNone/>
-              <a:defRPr sz="750"/>
+            <a:lvl7pPr marL="1543050" indent="0">
+              <a:buNone/>
+              <a:defRPr sz="563"/>
             </a:lvl7pPr>
-            <a:lvl8pPr marL="2400300" indent="0">
-              <a:buNone/>
-              <a:defRPr sz="750"/>
+            <a:lvl8pPr marL="1800225" indent="0">
+              <a:buNone/>
+              <a:defRPr sz="563"/>
             </a:lvl8pPr>
-            <a:lvl9pPr marL="2743200" indent="0">
-              <a:buNone/>
-              <a:defRPr sz="750"/>
+            <a:lvl9pPr marL="2057400" indent="0">
+              <a:buNone/>
+              <a:defRPr sz="563"/>
             </a:lvl9pPr>
           </a:lstStyle>
           <a:p>
@@ -2127,7 +2127,7 @@
           <a:p>
             <a:fld id="{EEA919E1-EFFE-43B0-B892-35C3DE72B480}" type="datetimeFigureOut">
               <a:rPr lang="en-US" smtClean="0"/>
-              <a:t>5/14/2024</a:t>
+              <a:t>5/15/24</a:t>
             </a:fld>
             <a:endParaRPr lang="en-US"/>
           </a:p>
@@ -2178,7 +2178,7 @@
     </p:spTree>
     <p:extLst>
       <p:ext uri="{BB962C8B-B14F-4D97-AF65-F5344CB8AC3E}">
-        <p14:creationId xmlns:p14="http://schemas.microsoft.com/office/powerpoint/2010/main" val="4205199113"/>
+        <p14:creationId xmlns:p14="http://schemas.microsoft.com/office/powerpoint/2010/main" val="312766644"/>
       </p:ext>
     </p:extLst>
   </p:cSld>
@@ -2217,15 +2217,15 @@
         </p:nvSpPr>
         <p:spPr>
           <a:xfrm>
-            <a:off x="472381" y="609600"/>
-            <a:ext cx="2211884" cy="2133600"/>
+            <a:off x="472381" y="274320"/>
+            <a:ext cx="2211883" cy="960120"/>
           </a:xfrm>
         </p:spPr>
         <p:txBody>
           <a:bodyPr anchor="b"/>
           <a:lstStyle>
             <a:lvl1pPr>
-              <a:defRPr sz="2400"/>
+              <a:defRPr sz="1800"/>
             </a:lvl1pPr>
           </a:lstStyle>
           <a:p>
@@ -2249,8 +2249,8 @@
         </p:nvSpPr>
         <p:spPr>
           <a:xfrm>
-            <a:off x="2915543" y="1316569"/>
-            <a:ext cx="3471863" cy="6498167"/>
+            <a:off x="2915543" y="592455"/>
+            <a:ext cx="3471863" cy="2924175"/>
           </a:xfrm>
         </p:spPr>
         <p:txBody>
@@ -2258,39 +2258,39 @@
           <a:lstStyle>
             <a:lvl1pPr marL="0" indent="0">
               <a:buNone/>
-              <a:defRPr sz="2400"/>
+              <a:defRPr sz="1800"/>
             </a:lvl1pPr>
-            <a:lvl2pPr marL="342900" indent="0">
-              <a:buNone/>
-              <a:defRPr sz="2100"/>
+            <a:lvl2pPr marL="257175" indent="0">
+              <a:buNone/>
+              <a:defRPr sz="1575"/>
             </a:lvl2pPr>
-            <a:lvl3pPr marL="685800" indent="0">
-              <a:buNone/>
-              <a:defRPr sz="1800"/>
+            <a:lvl3pPr marL="514350" indent="0">
+              <a:buNone/>
+              <a:defRPr sz="1350"/>
             </a:lvl3pPr>
-            <a:lvl4pPr marL="1028700" indent="0">
-              <a:buNone/>
-              <a:defRPr sz="1500"/>
+            <a:lvl4pPr marL="771525" indent="0">
+              <a:buNone/>
+              <a:defRPr sz="1125"/>
             </a:lvl4pPr>
-            <a:lvl5pPr marL="1371600" indent="0">
-              <a:buNone/>
-              <a:defRPr sz="1500"/>
+            <a:lvl5pPr marL="1028700" indent="0">
+              <a:buNone/>
+              <a:defRPr sz="1125"/>
             </a:lvl5pPr>
-            <a:lvl6pPr marL="1714500" indent="0">
-              <a:buNone/>
-              <a:defRPr sz="1500"/>
+            <a:lvl6pPr marL="1285875" indent="0">
+              <a:buNone/>
+              <a:defRPr sz="1125"/>
             </a:lvl6pPr>
-            <a:lvl7pPr marL="2057400" indent="0">
-              <a:buNone/>
-              <a:defRPr sz="1500"/>
+            <a:lvl7pPr marL="1543050" indent="0">
+              <a:buNone/>
+              <a:defRPr sz="1125"/>
             </a:lvl7pPr>
-            <a:lvl8pPr marL="2400300" indent="0">
-              <a:buNone/>
-              <a:defRPr sz="1500"/>
+            <a:lvl8pPr marL="1800225" indent="0">
+              <a:buNone/>
+              <a:defRPr sz="1125"/>
             </a:lvl8pPr>
-            <a:lvl9pPr marL="2743200" indent="0">
-              <a:buNone/>
-              <a:defRPr sz="1500"/>
+            <a:lvl9pPr marL="2057400" indent="0">
+              <a:buNone/>
+              <a:defRPr sz="1125"/>
             </a:lvl9pPr>
           </a:lstStyle>
           <a:p>
@@ -2314,8 +2314,8 @@
         </p:nvSpPr>
         <p:spPr>
           <a:xfrm>
-            <a:off x="472381" y="2743200"/>
-            <a:ext cx="2211884" cy="5082117"/>
+            <a:off x="472381" y="1234440"/>
+            <a:ext cx="2211883" cy="2286953"/>
           </a:xfrm>
         </p:spPr>
         <p:txBody>
@@ -2323,39 +2323,39 @@
           <a:lstStyle>
             <a:lvl1pPr marL="0" indent="0">
               <a:buNone/>
-              <a:defRPr sz="1200"/>
+              <a:defRPr sz="900"/>
             </a:lvl1pPr>
-            <a:lvl2pPr marL="342900" indent="0">
-              <a:buNone/>
-              <a:defRPr sz="1050"/>
+            <a:lvl2pPr marL="257175" indent="0">
+              <a:buNone/>
+              <a:defRPr sz="788"/>
             </a:lvl2pPr>
-            <a:lvl3pPr marL="685800" indent="0">
-              <a:buNone/>
-              <a:defRPr sz="900"/>
+            <a:lvl3pPr marL="514350" indent="0">
+              <a:buNone/>
+              <a:defRPr sz="675"/>
             </a:lvl3pPr>
-            <a:lvl4pPr marL="1028700" indent="0">
-              <a:buNone/>
-              <a:defRPr sz="750"/>
+            <a:lvl4pPr marL="771525" indent="0">
+              <a:buNone/>
+              <a:defRPr sz="563"/>
             </a:lvl4pPr>
-            <a:lvl5pPr marL="1371600" indent="0">
-              <a:buNone/>
-              <a:defRPr sz="750"/>
+            <a:lvl5pPr marL="1028700" indent="0">
+              <a:buNone/>
+              <a:defRPr sz="563"/>
             </a:lvl5pPr>
-            <a:lvl6pPr marL="1714500" indent="0">
-              <a:buNone/>
-              <a:defRPr sz="750"/>
+            <a:lvl6pPr marL="1285875" indent="0">
+              <a:buNone/>
+              <a:defRPr sz="563"/>
             </a:lvl6pPr>
-            <a:lvl7pPr marL="2057400" indent="0">
-              <a:buNone/>
-              <a:defRPr sz="750"/>
+            <a:lvl7pPr marL="1543050" indent="0">
+              <a:buNone/>
+              <a:defRPr sz="563"/>
             </a:lvl7pPr>
-            <a:lvl8pPr marL="2400300" indent="0">
-              <a:buNone/>
-              <a:defRPr sz="750"/>
+            <a:lvl8pPr marL="1800225" indent="0">
+              <a:buNone/>
+              <a:defRPr sz="563"/>
             </a:lvl8pPr>
-            <a:lvl9pPr marL="2743200" indent="0">
-              <a:buNone/>
-              <a:defRPr sz="750"/>
+            <a:lvl9pPr marL="2057400" indent="0">
+              <a:buNone/>
+              <a:defRPr sz="563"/>
             </a:lvl9pPr>
           </a:lstStyle>
           <a:p>
@@ -2384,7 +2384,7 @@
           <a:p>
             <a:fld id="{EEA919E1-EFFE-43B0-B892-35C3DE72B480}" type="datetimeFigureOut">
               <a:rPr lang="en-US" smtClean="0"/>
-              <a:t>5/14/2024</a:t>
+              <a:t>5/15/24</a:t>
             </a:fld>
             <a:endParaRPr lang="en-US"/>
           </a:p>
@@ -2435,7 +2435,7 @@
     </p:spTree>
     <p:extLst>
       <p:ext uri="{BB962C8B-B14F-4D97-AF65-F5344CB8AC3E}">
-        <p14:creationId xmlns:p14="http://schemas.microsoft.com/office/powerpoint/2010/main" val="1383727811"/>
+        <p14:creationId xmlns:p14="http://schemas.microsoft.com/office/powerpoint/2010/main" val="1392365569"/>
       </p:ext>
     </p:extLst>
   </p:cSld>
@@ -2479,8 +2479,8 @@
         </p:nvSpPr>
         <p:spPr>
           <a:xfrm>
-            <a:off x="471488" y="486836"/>
-            <a:ext cx="5915025" cy="1767417"/>
+            <a:off x="471488" y="219075"/>
+            <a:ext cx="5915025" cy="795338"/>
           </a:xfrm>
           <a:prstGeom prst="rect">
             <a:avLst/>
@@ -2512,8 +2512,8 @@
         </p:nvSpPr>
         <p:spPr>
           <a:xfrm>
-            <a:off x="471488" y="2434167"/>
-            <a:ext cx="5915025" cy="5801784"/>
+            <a:off x="471488" y="1095375"/>
+            <a:ext cx="5915025" cy="2610803"/>
           </a:xfrm>
           <a:prstGeom prst="rect">
             <a:avLst/>
@@ -2574,8 +2574,8 @@
         </p:nvSpPr>
         <p:spPr>
           <a:xfrm>
-            <a:off x="471488" y="8475136"/>
-            <a:ext cx="1543050" cy="486833"/>
+            <a:off x="471487" y="3813810"/>
+            <a:ext cx="1543050" cy="219075"/>
           </a:xfrm>
           <a:prstGeom prst="rect">
             <a:avLst/>
@@ -2585,7 +2585,7 @@
           <a:bodyPr vert="horz" lIns="91440" tIns="45720" rIns="91440" bIns="45720" rtlCol="0" anchor="ctr"/>
           <a:lstStyle>
             <a:lvl1pPr algn="l">
-              <a:defRPr sz="900">
+              <a:defRPr sz="675">
                 <a:solidFill>
                   <a:schemeClr val="tx1">
                     <a:tint val="82000"/>
@@ -2597,7 +2597,7 @@
           <a:p>
             <a:fld id="{EEA919E1-EFFE-43B0-B892-35C3DE72B480}" type="datetimeFigureOut">
               <a:rPr lang="en-US" smtClean="0"/>
-              <a:t>5/14/2024</a:t>
+              <a:t>5/15/24</a:t>
             </a:fld>
             <a:endParaRPr lang="en-US"/>
           </a:p>
@@ -2615,8 +2615,8 @@
         </p:nvSpPr>
         <p:spPr>
           <a:xfrm>
-            <a:off x="2271713" y="8475136"/>
-            <a:ext cx="2314575" cy="486833"/>
+            <a:off x="2271713" y="3813810"/>
+            <a:ext cx="2314575" cy="219075"/>
           </a:xfrm>
           <a:prstGeom prst="rect">
             <a:avLst/>
@@ -2626,7 +2626,7 @@
           <a:bodyPr vert="horz" lIns="91440" tIns="45720" rIns="91440" bIns="45720" rtlCol="0" anchor="ctr"/>
           <a:lstStyle>
             <a:lvl1pPr algn="ctr">
-              <a:defRPr sz="900">
+              <a:defRPr sz="675">
                 <a:solidFill>
                   <a:schemeClr val="tx1">
                     <a:tint val="82000"/>
@@ -2652,8 +2652,8 @@
         </p:nvSpPr>
         <p:spPr>
           <a:xfrm>
-            <a:off x="4843463" y="8475136"/>
-            <a:ext cx="1543050" cy="486833"/>
+            <a:off x="4843463" y="3813810"/>
+            <a:ext cx="1543050" cy="219075"/>
           </a:xfrm>
           <a:prstGeom prst="rect">
             <a:avLst/>
@@ -2663,7 +2663,7 @@
           <a:bodyPr vert="horz" lIns="91440" tIns="45720" rIns="91440" bIns="45720" rtlCol="0" anchor="ctr"/>
           <a:lstStyle>
             <a:lvl1pPr algn="r">
-              <a:defRPr sz="900">
+              <a:defRPr sz="675">
                 <a:solidFill>
                   <a:schemeClr val="tx1">
                     <a:tint val="82000"/>
@@ -2684,27 +2684,27 @@
     </p:spTree>
     <p:extLst>
       <p:ext uri="{BB962C8B-B14F-4D97-AF65-F5344CB8AC3E}">
-        <p14:creationId xmlns:p14="http://schemas.microsoft.com/office/powerpoint/2010/main" val="3939706437"/>
+        <p14:creationId xmlns:p14="http://schemas.microsoft.com/office/powerpoint/2010/main" val="3976828567"/>
       </p:ext>
     </p:extLst>
   </p:cSld>
   <p:clrMap bg1="lt1" tx1="dk1" bg2="lt2" tx2="dk2" accent1="accent1" accent2="accent2" accent3="accent3" accent4="accent4" accent5="accent5" accent6="accent6" hlink="hlink" folHlink="folHlink"/>
   <p:sldLayoutIdLst>
-    <p:sldLayoutId id="2147483661" r:id="rId1"/>
-    <p:sldLayoutId id="2147483662" r:id="rId2"/>
-    <p:sldLayoutId id="2147483663" r:id="rId3"/>
-    <p:sldLayoutId id="2147483664" r:id="rId4"/>
-    <p:sldLayoutId id="2147483665" r:id="rId5"/>
-    <p:sldLayoutId id="2147483666" r:id="rId6"/>
-    <p:sldLayoutId id="2147483667" r:id="rId7"/>
-    <p:sldLayoutId id="2147483668" r:id="rId8"/>
-    <p:sldLayoutId id="2147483669" r:id="rId9"/>
-    <p:sldLayoutId id="2147483670" r:id="rId10"/>
-    <p:sldLayoutId id="2147483671" r:id="rId11"/>
+    <p:sldLayoutId id="2147483709" r:id="rId1"/>
+    <p:sldLayoutId id="2147483710" r:id="rId2"/>
+    <p:sldLayoutId id="2147483711" r:id="rId3"/>
+    <p:sldLayoutId id="2147483712" r:id="rId4"/>
+    <p:sldLayoutId id="2147483713" r:id="rId5"/>
+    <p:sldLayoutId id="2147483714" r:id="rId6"/>
+    <p:sldLayoutId id="2147483715" r:id="rId7"/>
+    <p:sldLayoutId id="2147483716" r:id="rId8"/>
+    <p:sldLayoutId id="2147483717" r:id="rId9"/>
+    <p:sldLayoutId id="2147483718" r:id="rId10"/>
+    <p:sldLayoutId id="2147483719" r:id="rId11"/>
   </p:sldLayoutIdLst>
   <p:txStyles>
     <p:titleStyle>
-      <a:lvl1pPr algn="l" defTabSz="685800" rtl="0" eaLnBrk="1" latinLnBrk="0" hangingPunct="1">
+      <a:lvl1pPr algn="l" defTabSz="514350" rtl="0" eaLnBrk="1" latinLnBrk="0" hangingPunct="1">
         <a:lnSpc>
           <a:spcPct val="90000"/>
         </a:lnSpc>
@@ -2712,7 +2712,7 @@
           <a:spcPct val="0"/>
         </a:spcBef>
         <a:buNone/>
-        <a:defRPr sz="3300" kern="1200">
+        <a:defRPr sz="2475" kern="1200">
           <a:solidFill>
             <a:schemeClr val="tx1"/>
           </a:solidFill>
@@ -2723,16 +2723,16 @@
       </a:lvl1pPr>
     </p:titleStyle>
     <p:bodyStyle>
-      <a:lvl1pPr marL="171450" indent="-171450" algn="l" defTabSz="685800" rtl="0" eaLnBrk="1" latinLnBrk="0" hangingPunct="1">
+      <a:lvl1pPr marL="128588" indent="-128588" algn="l" defTabSz="514350" rtl="0" eaLnBrk="1" latinLnBrk="0" hangingPunct="1">
         <a:lnSpc>
           <a:spcPct val="90000"/>
         </a:lnSpc>
         <a:spcBef>
-          <a:spcPts val="750"/>
+          <a:spcPts val="563"/>
         </a:spcBef>
         <a:buFont typeface="Arial" panose="020B0604020202020204" pitchFamily="34" charset="0"/>
         <a:buChar char="•"/>
-        <a:defRPr sz="2100" kern="1200">
+        <a:defRPr sz="1575" kern="1200">
           <a:solidFill>
             <a:schemeClr val="tx1"/>
           </a:solidFill>
@@ -2741,48 +2741,12 @@
           <a:cs typeface="+mn-cs"/>
         </a:defRPr>
       </a:lvl1pPr>
-      <a:lvl2pPr marL="514350" indent="-171450" algn="l" defTabSz="685800" rtl="0" eaLnBrk="1" latinLnBrk="0" hangingPunct="1">
+      <a:lvl2pPr marL="385763" indent="-128588" algn="l" defTabSz="514350" rtl="0" eaLnBrk="1" latinLnBrk="0" hangingPunct="1">
         <a:lnSpc>
           <a:spcPct val="90000"/>
         </a:lnSpc>
         <a:spcBef>
-          <a:spcPts val="375"/>
-        </a:spcBef>
-        <a:buFont typeface="Arial" panose="020B0604020202020204" pitchFamily="34" charset="0"/>
-        <a:buChar char="•"/>
-        <a:defRPr sz="1800" kern="1200">
-          <a:solidFill>
-            <a:schemeClr val="tx1"/>
-          </a:solidFill>
-          <a:latin typeface="+mn-lt"/>
-          <a:ea typeface="+mn-ea"/>
-          <a:cs typeface="+mn-cs"/>
-        </a:defRPr>
-      </a:lvl2pPr>
-      <a:lvl3pPr marL="857250" indent="-171450" algn="l" defTabSz="685800" rtl="0" eaLnBrk="1" latinLnBrk="0" hangingPunct="1">
-        <a:lnSpc>
-          <a:spcPct val="90000"/>
-        </a:lnSpc>
-        <a:spcBef>
-          <a:spcPts val="375"/>
-        </a:spcBef>
-        <a:buFont typeface="Arial" panose="020B0604020202020204" pitchFamily="34" charset="0"/>
-        <a:buChar char="•"/>
-        <a:defRPr sz="1500" kern="1200">
-          <a:solidFill>
-            <a:schemeClr val="tx1"/>
-          </a:solidFill>
-          <a:latin typeface="+mn-lt"/>
-          <a:ea typeface="+mn-ea"/>
-          <a:cs typeface="+mn-cs"/>
-        </a:defRPr>
-      </a:lvl3pPr>
-      <a:lvl4pPr marL="1200150" indent="-171450" algn="l" defTabSz="685800" rtl="0" eaLnBrk="1" latinLnBrk="0" hangingPunct="1">
-        <a:lnSpc>
-          <a:spcPct val="90000"/>
-        </a:lnSpc>
-        <a:spcBef>
-          <a:spcPts val="375"/>
+          <a:spcPts val="281"/>
         </a:spcBef>
         <a:buFont typeface="Arial" panose="020B0604020202020204" pitchFamily="34" charset="0"/>
         <a:buChar char="•"/>
@@ -2794,17 +2758,53 @@
           <a:ea typeface="+mn-ea"/>
           <a:cs typeface="+mn-cs"/>
         </a:defRPr>
-      </a:lvl4pPr>
-      <a:lvl5pPr marL="1543050" indent="-171450" algn="l" defTabSz="685800" rtl="0" eaLnBrk="1" latinLnBrk="0" hangingPunct="1">
+      </a:lvl2pPr>
+      <a:lvl3pPr marL="642938" indent="-128588" algn="l" defTabSz="514350" rtl="0" eaLnBrk="1" latinLnBrk="0" hangingPunct="1">
         <a:lnSpc>
           <a:spcPct val="90000"/>
         </a:lnSpc>
         <a:spcBef>
-          <a:spcPts val="375"/>
+          <a:spcPts val="281"/>
         </a:spcBef>
         <a:buFont typeface="Arial" panose="020B0604020202020204" pitchFamily="34" charset="0"/>
         <a:buChar char="•"/>
-        <a:defRPr sz="1350" kern="1200">
+        <a:defRPr sz="1125" kern="1200">
+          <a:solidFill>
+            <a:schemeClr val="tx1"/>
+          </a:solidFill>
+          <a:latin typeface="+mn-lt"/>
+          <a:ea typeface="+mn-ea"/>
+          <a:cs typeface="+mn-cs"/>
+        </a:defRPr>
+      </a:lvl3pPr>
+      <a:lvl4pPr marL="900113" indent="-128588" algn="l" defTabSz="514350" rtl="0" eaLnBrk="1" latinLnBrk="0" hangingPunct="1">
+        <a:lnSpc>
+          <a:spcPct val="90000"/>
+        </a:lnSpc>
+        <a:spcBef>
+          <a:spcPts val="281"/>
+        </a:spcBef>
+        <a:buFont typeface="Arial" panose="020B0604020202020204" pitchFamily="34" charset="0"/>
+        <a:buChar char="•"/>
+        <a:defRPr sz="1013" kern="1200">
+          <a:solidFill>
+            <a:schemeClr val="tx1"/>
+          </a:solidFill>
+          <a:latin typeface="+mn-lt"/>
+          <a:ea typeface="+mn-ea"/>
+          <a:cs typeface="+mn-cs"/>
+        </a:defRPr>
+      </a:lvl4pPr>
+      <a:lvl5pPr marL="1157288" indent="-128588" algn="l" defTabSz="514350" rtl="0" eaLnBrk="1" latinLnBrk="0" hangingPunct="1">
+        <a:lnSpc>
+          <a:spcPct val="90000"/>
+        </a:lnSpc>
+        <a:spcBef>
+          <a:spcPts val="281"/>
+        </a:spcBef>
+        <a:buFont typeface="Arial" panose="020B0604020202020204" pitchFamily="34" charset="0"/>
+        <a:buChar char="•"/>
+        <a:defRPr sz="1013" kern="1200">
           <a:solidFill>
             <a:schemeClr val="tx1"/>
           </a:solidFill>
@@ -2813,16 +2813,16 @@
           <a:cs typeface="+mn-cs"/>
         </a:defRPr>
       </a:lvl5pPr>
-      <a:lvl6pPr marL="1885950" indent="-171450" algn="l" defTabSz="685800" rtl="0" eaLnBrk="1" latinLnBrk="0" hangingPunct="1">
+      <a:lvl6pPr marL="1414463" indent="-128588" algn="l" defTabSz="514350" rtl="0" eaLnBrk="1" latinLnBrk="0" hangingPunct="1">
         <a:lnSpc>
           <a:spcPct val="90000"/>
         </a:lnSpc>
         <a:spcBef>
-          <a:spcPts val="375"/>
+          <a:spcPts val="281"/>
         </a:spcBef>
         <a:buFont typeface="Arial" panose="020B0604020202020204" pitchFamily="34" charset="0"/>
         <a:buChar char="•"/>
-        <a:defRPr sz="1350" kern="1200">
+        <a:defRPr sz="1013" kern="1200">
           <a:solidFill>
             <a:schemeClr val="tx1"/>
           </a:solidFill>
@@ -2831,16 +2831,16 @@
           <a:cs typeface="+mn-cs"/>
         </a:defRPr>
       </a:lvl6pPr>
-      <a:lvl7pPr marL="2228850" indent="-171450" algn="l" defTabSz="685800" rtl="0" eaLnBrk="1" latinLnBrk="0" hangingPunct="1">
+      <a:lvl7pPr marL="1671638" indent="-128588" algn="l" defTabSz="514350" rtl="0" eaLnBrk="1" latinLnBrk="0" hangingPunct="1">
         <a:lnSpc>
           <a:spcPct val="90000"/>
         </a:lnSpc>
         <a:spcBef>
-          <a:spcPts val="375"/>
+          <a:spcPts val="281"/>
         </a:spcBef>
         <a:buFont typeface="Arial" panose="020B0604020202020204" pitchFamily="34" charset="0"/>
         <a:buChar char="•"/>
-        <a:defRPr sz="1350" kern="1200">
+        <a:defRPr sz="1013" kern="1200">
           <a:solidFill>
             <a:schemeClr val="tx1"/>
           </a:solidFill>
@@ -2849,16 +2849,16 @@
           <a:cs typeface="+mn-cs"/>
         </a:defRPr>
       </a:lvl7pPr>
-      <a:lvl8pPr marL="2571750" indent="-171450" algn="l" defTabSz="685800" rtl="0" eaLnBrk="1" latinLnBrk="0" hangingPunct="1">
+      <a:lvl8pPr marL="1928813" indent="-128588" algn="l" defTabSz="514350" rtl="0" eaLnBrk="1" latinLnBrk="0" hangingPunct="1">
         <a:lnSpc>
           <a:spcPct val="90000"/>
         </a:lnSpc>
         <a:spcBef>
-          <a:spcPts val="375"/>
+          <a:spcPts val="281"/>
         </a:spcBef>
         <a:buFont typeface="Arial" panose="020B0604020202020204" pitchFamily="34" charset="0"/>
         <a:buChar char="•"/>
-        <a:defRPr sz="1350" kern="1200">
+        <a:defRPr sz="1013" kern="1200">
           <a:solidFill>
             <a:schemeClr val="tx1"/>
           </a:solidFill>
@@ -2867,16 +2867,16 @@
           <a:cs typeface="+mn-cs"/>
         </a:defRPr>
       </a:lvl8pPr>
-      <a:lvl9pPr marL="2914650" indent="-171450" algn="l" defTabSz="685800" rtl="0" eaLnBrk="1" latinLnBrk="0" hangingPunct="1">
+      <a:lvl9pPr marL="2185988" indent="-128588" algn="l" defTabSz="514350" rtl="0" eaLnBrk="1" latinLnBrk="0" hangingPunct="1">
         <a:lnSpc>
           <a:spcPct val="90000"/>
         </a:lnSpc>
         <a:spcBef>
-          <a:spcPts val="375"/>
+          <a:spcPts val="281"/>
         </a:spcBef>
         <a:buFont typeface="Arial" panose="020B0604020202020204" pitchFamily="34" charset="0"/>
         <a:buChar char="•"/>
-        <a:defRPr sz="1350" kern="1200">
+        <a:defRPr sz="1013" kern="1200">
           <a:solidFill>
             <a:schemeClr val="tx1"/>
           </a:solidFill>
@@ -2890,8 +2890,8 @@
       <a:defPPr>
         <a:defRPr lang="en-US"/>
       </a:defPPr>
-      <a:lvl1pPr marL="0" algn="l" defTabSz="685800" rtl="0" eaLnBrk="1" latinLnBrk="0" hangingPunct="1">
-        <a:defRPr sz="1350" kern="1200">
+      <a:lvl1pPr marL="0" algn="l" defTabSz="514350" rtl="0" eaLnBrk="1" latinLnBrk="0" hangingPunct="1">
+        <a:defRPr sz="1013" kern="1200">
           <a:solidFill>
             <a:schemeClr val="tx1"/>
           </a:solidFill>
@@ -2900,8 +2900,8 @@
           <a:cs typeface="+mn-cs"/>
         </a:defRPr>
       </a:lvl1pPr>
-      <a:lvl2pPr marL="342900" algn="l" defTabSz="685800" rtl="0" eaLnBrk="1" latinLnBrk="0" hangingPunct="1">
-        <a:defRPr sz="1350" kern="1200">
+      <a:lvl2pPr marL="257175" algn="l" defTabSz="514350" rtl="0" eaLnBrk="1" latinLnBrk="0" hangingPunct="1">
+        <a:defRPr sz="1013" kern="1200">
           <a:solidFill>
             <a:schemeClr val="tx1"/>
           </a:solidFill>
@@ -2910,8 +2910,8 @@
           <a:cs typeface="+mn-cs"/>
         </a:defRPr>
       </a:lvl2pPr>
-      <a:lvl3pPr marL="685800" algn="l" defTabSz="685800" rtl="0" eaLnBrk="1" latinLnBrk="0" hangingPunct="1">
-        <a:defRPr sz="1350" kern="1200">
+      <a:lvl3pPr marL="514350" algn="l" defTabSz="514350" rtl="0" eaLnBrk="1" latinLnBrk="0" hangingPunct="1">
+        <a:defRPr sz="1013" kern="1200">
           <a:solidFill>
             <a:schemeClr val="tx1"/>
           </a:solidFill>
@@ -2920,8 +2920,8 @@
           <a:cs typeface="+mn-cs"/>
         </a:defRPr>
       </a:lvl3pPr>
-      <a:lvl4pPr marL="1028700" algn="l" defTabSz="685800" rtl="0" eaLnBrk="1" latinLnBrk="0" hangingPunct="1">
-        <a:defRPr sz="1350" kern="1200">
+      <a:lvl4pPr marL="771525" algn="l" defTabSz="514350" rtl="0" eaLnBrk="1" latinLnBrk="0" hangingPunct="1">
+        <a:defRPr sz="1013" kern="1200">
           <a:solidFill>
             <a:schemeClr val="tx1"/>
           </a:solidFill>
@@ -2930,8 +2930,8 @@
           <a:cs typeface="+mn-cs"/>
         </a:defRPr>
       </a:lvl4pPr>
-      <a:lvl5pPr marL="1371600" algn="l" defTabSz="685800" rtl="0" eaLnBrk="1" latinLnBrk="0" hangingPunct="1">
-        <a:defRPr sz="1350" kern="1200">
+      <a:lvl5pPr marL="1028700" algn="l" defTabSz="514350" rtl="0" eaLnBrk="1" latinLnBrk="0" hangingPunct="1">
+        <a:defRPr sz="1013" kern="1200">
           <a:solidFill>
             <a:schemeClr val="tx1"/>
           </a:solidFill>
@@ -2940,8 +2940,8 @@
           <a:cs typeface="+mn-cs"/>
         </a:defRPr>
       </a:lvl5pPr>
-      <a:lvl6pPr marL="1714500" algn="l" defTabSz="685800" rtl="0" eaLnBrk="1" latinLnBrk="0" hangingPunct="1">
-        <a:defRPr sz="1350" kern="1200">
+      <a:lvl6pPr marL="1285875" algn="l" defTabSz="514350" rtl="0" eaLnBrk="1" latinLnBrk="0" hangingPunct="1">
+        <a:defRPr sz="1013" kern="1200">
           <a:solidFill>
             <a:schemeClr val="tx1"/>
           </a:solidFill>
@@ -2950,8 +2950,8 @@
           <a:cs typeface="+mn-cs"/>
         </a:defRPr>
       </a:lvl6pPr>
-      <a:lvl7pPr marL="2057400" algn="l" defTabSz="685800" rtl="0" eaLnBrk="1" latinLnBrk="0" hangingPunct="1">
-        <a:defRPr sz="1350" kern="1200">
+      <a:lvl7pPr marL="1543050" algn="l" defTabSz="514350" rtl="0" eaLnBrk="1" latinLnBrk="0" hangingPunct="1">
+        <a:defRPr sz="1013" kern="1200">
           <a:solidFill>
             <a:schemeClr val="tx1"/>
           </a:solidFill>
@@ -2960,8 +2960,8 @@
           <a:cs typeface="+mn-cs"/>
         </a:defRPr>
       </a:lvl7pPr>
-      <a:lvl8pPr marL="2400300" algn="l" defTabSz="685800" rtl="0" eaLnBrk="1" latinLnBrk="0" hangingPunct="1">
-        <a:defRPr sz="1350" kern="1200">
+      <a:lvl8pPr marL="1800225" algn="l" defTabSz="514350" rtl="0" eaLnBrk="1" latinLnBrk="0" hangingPunct="1">
+        <a:defRPr sz="1013" kern="1200">
           <a:solidFill>
             <a:schemeClr val="tx1"/>
           </a:solidFill>
@@ -2970,8 +2970,8 @@
           <a:cs typeface="+mn-cs"/>
         </a:defRPr>
       </a:lvl8pPr>
-      <a:lvl9pPr marL="2743200" algn="l" defTabSz="685800" rtl="0" eaLnBrk="1" latinLnBrk="0" hangingPunct="1">
-        <a:defRPr sz="1350" kern="1200">
+      <a:lvl9pPr marL="2057400" algn="l" defTabSz="514350" rtl="0" eaLnBrk="1" latinLnBrk="0" hangingPunct="1">
+        <a:defRPr sz="1013" kern="1200">
           <a:solidFill>
             <a:schemeClr val="tx1"/>
           </a:solidFill>
@@ -3017,15 +3017,20 @@
           <p:nvPr/>
         </p:nvPicPr>
         <p:blipFill>
-          <a:blip r:embed="rId2"/>
-          <a:stretch>
-            <a:fillRect/>
-          </a:stretch>
+          <a:blip r:embed="rId2">
+            <a:extLst>
+              <a:ext uri="{28A0092B-C50C-407E-A947-70E740481C1C}">
+                <a14:useLocalDpi xmlns:a14="http://schemas.microsoft.com/office/drawing/2010/main" val="0"/>
+              </a:ext>
+            </a:extLst>
+          </a:blip>
+          <a:srcRect/>
+          <a:stretch/>
         </p:blipFill>
         <p:spPr>
           <a:xfrm>
-            <a:off x="0" y="0"/>
-            <a:ext cx="6858000" cy="1353251"/>
+            <a:off x="0" y="154172"/>
+            <a:ext cx="6858000" cy="1351204"/>
           </a:xfrm>
           <a:prstGeom prst="rect">
             <a:avLst/>
@@ -3047,15 +3052,20 @@
           <p:nvPr/>
         </p:nvPicPr>
         <p:blipFill>
-          <a:blip r:embed="rId3"/>
-          <a:stretch>
-            <a:fillRect/>
-          </a:stretch>
+          <a:blip r:embed="rId3">
+            <a:extLst>
+              <a:ext uri="{28A0092B-C50C-407E-A947-70E740481C1C}">
+                <a14:useLocalDpi xmlns:a14="http://schemas.microsoft.com/office/drawing/2010/main" val="0"/>
+              </a:ext>
+            </a:extLst>
+          </a:blip>
+          <a:srcRect/>
+          <a:stretch/>
         </p:blipFill>
         <p:spPr>
           <a:xfrm>
-            <a:off x="0" y="1397701"/>
-            <a:ext cx="3429000" cy="1356401"/>
+            <a:off x="0" y="1550927"/>
+            <a:ext cx="3429000" cy="1356246"/>
           </a:xfrm>
           <a:prstGeom prst="rect">
             <a:avLst/>
@@ -3077,15 +3087,20 @@
           <p:nvPr/>
         </p:nvPicPr>
         <p:blipFill>
-          <a:blip r:embed="rId4"/>
-          <a:stretch>
-            <a:fillRect/>
-          </a:stretch>
+          <a:blip r:embed="rId4">
+            <a:extLst>
+              <a:ext uri="{28A0092B-C50C-407E-A947-70E740481C1C}">
+                <a14:useLocalDpi xmlns:a14="http://schemas.microsoft.com/office/drawing/2010/main" val="0"/>
+              </a:ext>
+            </a:extLst>
+          </a:blip>
+          <a:srcRect/>
+          <a:stretch/>
         </p:blipFill>
         <p:spPr>
           <a:xfrm>
-            <a:off x="3429000" y="1397701"/>
-            <a:ext cx="3429000" cy="1356401"/>
+            <a:off x="3429000" y="1550927"/>
+            <a:ext cx="3429000" cy="1356246"/>
           </a:xfrm>
           <a:prstGeom prst="rect">
             <a:avLst/>
@@ -3107,15 +3122,20 @@
           <p:nvPr/>
         </p:nvPicPr>
         <p:blipFill>
-          <a:blip r:embed="rId5"/>
-          <a:stretch>
-            <a:fillRect/>
-          </a:stretch>
+          <a:blip r:embed="rId5">
+            <a:extLst>
+              <a:ext uri="{28A0092B-C50C-407E-A947-70E740481C1C}">
+                <a14:useLocalDpi xmlns:a14="http://schemas.microsoft.com/office/drawing/2010/main" val="0"/>
+              </a:ext>
+            </a:extLst>
+          </a:blip>
+          <a:srcRect/>
+          <a:stretch/>
         </p:blipFill>
         <p:spPr>
           <a:xfrm>
-            <a:off x="0" y="2816129"/>
-            <a:ext cx="3429000" cy="667838"/>
+            <a:off x="0" y="2969278"/>
+            <a:ext cx="3429000" cy="895634"/>
           </a:xfrm>
           <a:prstGeom prst="rect">
             <a:avLst/>
@@ -3137,21 +3157,201 @@
           <p:nvPr/>
         </p:nvPicPr>
         <p:blipFill>
-          <a:blip r:embed="rId6"/>
-          <a:stretch>
-            <a:fillRect/>
-          </a:stretch>
+          <a:blip r:embed="rId6">
+            <a:extLst>
+              <a:ext uri="{28A0092B-C50C-407E-A947-70E740481C1C}">
+                <a14:useLocalDpi xmlns:a14="http://schemas.microsoft.com/office/drawing/2010/main" val="0"/>
+              </a:ext>
+            </a:extLst>
+          </a:blip>
+          <a:srcRect/>
+          <a:stretch/>
         </p:blipFill>
         <p:spPr>
           <a:xfrm>
-            <a:off x="3429000" y="2816129"/>
-            <a:ext cx="3429000" cy="667838"/>
+            <a:off x="3429000" y="2969283"/>
+            <a:ext cx="3428994" cy="895633"/>
           </a:xfrm>
           <a:prstGeom prst="rect">
             <a:avLst/>
           </a:prstGeom>
         </p:spPr>
       </p:pic>
+      <p:sp>
+        <p:nvSpPr>
+          <p:cNvPr id="2" name="TextBox 1">
+            <a:extLst>
+              <a:ext uri="{FF2B5EF4-FFF2-40B4-BE49-F238E27FC236}">
+                <a16:creationId xmlns:a16="http://schemas.microsoft.com/office/drawing/2014/main" id="{5EBF5C53-1727-9DA1-EF05-673FFB6AB667}"/>
+              </a:ext>
+            </a:extLst>
+          </p:cNvPr>
+          <p:cNvSpPr txBox="1"/>
+          <p:nvPr/>
+        </p:nvSpPr>
+        <p:spPr>
+          <a:xfrm>
+            <a:off x="194872" y="153150"/>
+            <a:ext cx="290464" cy="307777"/>
+          </a:xfrm>
+          <a:prstGeom prst="rect">
+            <a:avLst/>
+          </a:prstGeom>
+          <a:noFill/>
+        </p:spPr>
+        <p:txBody>
+          <a:bodyPr wrap="none" rtlCol="0">
+            <a:spAutoFit/>
+          </a:bodyPr>
+          <a:lstStyle/>
+          <a:p>
+            <a:r>
+              <a:rPr lang="en-US" sz="1400" dirty="0"/>
+              <a:t>A</a:t>
+            </a:r>
+          </a:p>
+        </p:txBody>
+      </p:sp>
+      <p:sp>
+        <p:nvSpPr>
+          <p:cNvPr id="3" name="TextBox 2">
+            <a:extLst>
+              <a:ext uri="{FF2B5EF4-FFF2-40B4-BE49-F238E27FC236}">
+                <a16:creationId xmlns:a16="http://schemas.microsoft.com/office/drawing/2014/main" id="{DC3C35A1-D6B3-171A-0588-AC9C385223A1}"/>
+              </a:ext>
+            </a:extLst>
+          </p:cNvPr>
+          <p:cNvSpPr txBox="1"/>
+          <p:nvPr/>
+        </p:nvSpPr>
+        <p:spPr>
+          <a:xfrm>
+            <a:off x="194872" y="1567485"/>
+            <a:ext cx="293670" cy="307777"/>
+          </a:xfrm>
+          <a:prstGeom prst="rect">
+            <a:avLst/>
+          </a:prstGeom>
+          <a:noFill/>
+        </p:spPr>
+        <p:txBody>
+          <a:bodyPr wrap="none" rtlCol="0">
+            <a:spAutoFit/>
+          </a:bodyPr>
+          <a:lstStyle/>
+          <a:p>
+            <a:r>
+              <a:rPr lang="en-US" sz="1400" dirty="0"/>
+              <a:t>B</a:t>
+            </a:r>
+          </a:p>
+        </p:txBody>
+      </p:sp>
+      <p:sp>
+        <p:nvSpPr>
+          <p:cNvPr id="4" name="TextBox 3">
+            <a:extLst>
+              <a:ext uri="{FF2B5EF4-FFF2-40B4-BE49-F238E27FC236}">
+                <a16:creationId xmlns:a16="http://schemas.microsoft.com/office/drawing/2014/main" id="{06F236E8-ACA3-31B0-16AA-9A1A7FD4F9CF}"/>
+              </a:ext>
+            </a:extLst>
+          </p:cNvPr>
+          <p:cNvSpPr txBox="1"/>
+          <p:nvPr/>
+        </p:nvSpPr>
+        <p:spPr>
+          <a:xfrm>
+            <a:off x="172430" y="2969283"/>
+            <a:ext cx="308098" cy="307777"/>
+          </a:xfrm>
+          <a:prstGeom prst="rect">
+            <a:avLst/>
+          </a:prstGeom>
+          <a:noFill/>
+        </p:spPr>
+        <p:txBody>
+          <a:bodyPr wrap="none" rtlCol="0">
+            <a:spAutoFit/>
+          </a:bodyPr>
+          <a:lstStyle/>
+          <a:p>
+            <a:r>
+              <a:rPr lang="en-US" sz="1400" dirty="0"/>
+              <a:t>D</a:t>
+            </a:r>
+          </a:p>
+        </p:txBody>
+      </p:sp>
+      <p:sp>
+        <p:nvSpPr>
+          <p:cNvPr id="5" name="TextBox 4">
+            <a:extLst>
+              <a:ext uri="{FF2B5EF4-FFF2-40B4-BE49-F238E27FC236}">
+                <a16:creationId xmlns:a16="http://schemas.microsoft.com/office/drawing/2014/main" id="{CCC01DE1-E927-82B7-6BED-FDD23199F002}"/>
+              </a:ext>
+            </a:extLst>
+          </p:cNvPr>
+          <p:cNvSpPr txBox="1"/>
+          <p:nvPr/>
+        </p:nvSpPr>
+        <p:spPr>
+          <a:xfrm>
+            <a:off x="3623872" y="1567485"/>
+            <a:ext cx="309700" cy="307777"/>
+          </a:xfrm>
+          <a:prstGeom prst="rect">
+            <a:avLst/>
+          </a:prstGeom>
+          <a:noFill/>
+        </p:spPr>
+        <p:txBody>
+          <a:bodyPr wrap="none" rtlCol="0">
+            <a:spAutoFit/>
+          </a:bodyPr>
+          <a:lstStyle/>
+          <a:p>
+            <a:r>
+              <a:rPr lang="en-US" sz="1400" dirty="0"/>
+              <a:t>C</a:t>
+            </a:r>
+          </a:p>
+        </p:txBody>
+      </p:sp>
+      <p:sp>
+        <p:nvSpPr>
+          <p:cNvPr id="6" name="TextBox 5">
+            <a:extLst>
+              <a:ext uri="{FF2B5EF4-FFF2-40B4-BE49-F238E27FC236}">
+                <a16:creationId xmlns:a16="http://schemas.microsoft.com/office/drawing/2014/main" id="{9CB90605-DD0B-14DF-55AA-8A350205B60A}"/>
+              </a:ext>
+            </a:extLst>
+          </p:cNvPr>
+          <p:cNvSpPr txBox="1"/>
+          <p:nvPr/>
+        </p:nvSpPr>
+        <p:spPr>
+          <a:xfrm>
+            <a:off x="3623872" y="2969283"/>
+            <a:ext cx="284052" cy="307777"/>
+          </a:xfrm>
+          <a:prstGeom prst="rect">
+            <a:avLst/>
+          </a:prstGeom>
+          <a:noFill/>
+        </p:spPr>
+        <p:txBody>
+          <a:bodyPr wrap="none" rtlCol="0">
+            <a:spAutoFit/>
+          </a:bodyPr>
+          <a:lstStyle/>
+          <a:p>
+            <a:r>
+              <a:rPr lang="en-US" sz="1400" dirty="0"/>
+              <a:t>E</a:t>
+            </a:r>
+          </a:p>
+        </p:txBody>
+      </p:sp>
     </p:spTree>
     <p:extLst>
       <p:ext uri="{BB962C8B-B14F-4D97-AF65-F5344CB8AC3E}">
